--- a/Computer Network Traffic Data.pptx
+++ b/Computer Network Traffic Data.pptx
@@ -272,7 +272,7 @@
       </p15:sldGuideLst>
     </p:ext>
     <p:ext uri="http://customooxmlschemas.google.com/">
-      <go:slidesCustomData xmlns="" xmlns:mc="http://schemas.openxmlformats.org/markup-compatibility/2006" xmlns:mv="urn:schemas-microsoft-com:mac:vml" xmlns:c="http://schemas.openxmlformats.org/drawingml/2006/chart" xmlns:dgm="http://schemas.openxmlformats.org/drawingml/2006/diagram" xmlns:o="urn:schemas-microsoft-com:office:office" xmlns:v="urn:schemas-microsoft-com:vml" xmlns:pvml="urn:schemas-microsoft-com:office:powerpoint" xmlns:com="http://schemas.openxmlformats.org/drawingml/2006/compatibility" xmlns:p14="http://schemas.microsoft.com/office/powerpoint/2010/main" xmlns:p15="http://schemas.microsoft.com/office/powerpoint/2012/main" xmlns:go="http://customooxmlschemas.google.com/" r:id="rId25" roundtripDataSignature="AMtx7mhAAjc885sgDNd/MzmuTsqpbYse6g=="/>
+      <go:slidesCustomData xmlns:go="http://customooxmlschemas.google.com/" xmlns:p15="http://schemas.microsoft.com/office/powerpoint/2012/main" xmlns:p14="http://schemas.microsoft.com/office/powerpoint/2010/main" xmlns:com="http://schemas.openxmlformats.org/drawingml/2006/compatibility" xmlns:pvml="urn:schemas-microsoft-com:office:powerpoint" xmlns:v="urn:schemas-microsoft-com:vml" xmlns:o="urn:schemas-microsoft-com:office:office" xmlns:dgm="http://schemas.openxmlformats.org/drawingml/2006/diagram" xmlns:c="http://schemas.openxmlformats.org/drawingml/2006/chart" xmlns:mv="urn:schemas-microsoft-com:mac:vml" xmlns:mc="http://schemas.openxmlformats.org/markup-compatibility/2006" xmlns="" r:id="rId25" roundtripDataSignature="AMtx7mhAAjc885sgDNd/MzmuTsqpbYse6g=="/>
     </p:ext>
   </p:extLst>
 </p:presentation>
@@ -8869,7 +8869,7 @@
         <p:fade/>
       </p:transition>
     </mc:Choice>
-    <mc:Fallback xmlns="" xmlns:mv="urn:schemas-microsoft-com:mac:vml" xmlns:c="http://schemas.openxmlformats.org/drawingml/2006/chart" xmlns:dgm="http://schemas.openxmlformats.org/drawingml/2006/diagram" xmlns:o="urn:schemas-microsoft-com:office:office" xmlns:v="urn:schemas-microsoft-com:vml" xmlns:pvml="urn:schemas-microsoft-com:office:powerpoint" xmlns:com="http://schemas.openxmlformats.org/drawingml/2006/compatibility" xmlns:p15="http://schemas.microsoft.com/office/powerpoint/2012/main">
+    <mc:Fallback xmlns:p15="http://schemas.microsoft.com/office/powerpoint/2012/main" xmlns:com="http://schemas.openxmlformats.org/drawingml/2006/compatibility" xmlns:pvml="urn:schemas-microsoft-com:office:powerpoint" xmlns:v="urn:schemas-microsoft-com:vml" xmlns:o="urn:schemas-microsoft-com:office:office" xmlns:dgm="http://schemas.openxmlformats.org/drawingml/2006/diagram" xmlns:c="http://schemas.openxmlformats.org/drawingml/2006/chart" xmlns:mv="urn:schemas-microsoft-com:mac:vml" xmlns="">
       <p:transition spd="slow">
         <p:fade/>
       </p:transition>
@@ -16131,7 +16131,7 @@
         <p:fade/>
       </p:transition>
     </mc:Choice>
-    <mc:Fallback xmlns="" xmlns:mv="urn:schemas-microsoft-com:mac:vml" xmlns:c="http://schemas.openxmlformats.org/drawingml/2006/chart" xmlns:dgm="http://schemas.openxmlformats.org/drawingml/2006/diagram" xmlns:o="urn:schemas-microsoft-com:office:office" xmlns:v="urn:schemas-microsoft-com:vml" xmlns:pvml="urn:schemas-microsoft-com:office:powerpoint" xmlns:com="http://schemas.openxmlformats.org/drawingml/2006/compatibility" xmlns:p15="http://schemas.microsoft.com/office/powerpoint/2012/main">
+    <mc:Fallback xmlns:p15="http://schemas.microsoft.com/office/powerpoint/2012/main" xmlns:com="http://schemas.openxmlformats.org/drawingml/2006/compatibility" xmlns:pvml="urn:schemas-microsoft-com:office:powerpoint" xmlns:v="urn:schemas-microsoft-com:vml" xmlns:o="urn:schemas-microsoft-com:office:office" xmlns:dgm="http://schemas.openxmlformats.org/drawingml/2006/diagram" xmlns:c="http://schemas.openxmlformats.org/drawingml/2006/chart" xmlns:mv="urn:schemas-microsoft-com:mac:vml" xmlns="">
       <p:transition spd="slow">
         <p:fade/>
       </p:transition>
@@ -17208,7 +17208,7 @@
         <p:fade/>
       </p:transition>
     </mc:Choice>
-    <mc:Fallback xmlns="" xmlns:mv="urn:schemas-microsoft-com:mac:vml" xmlns:c="http://schemas.openxmlformats.org/drawingml/2006/chart" xmlns:dgm="http://schemas.openxmlformats.org/drawingml/2006/diagram" xmlns:o="urn:schemas-microsoft-com:office:office" xmlns:v="urn:schemas-microsoft-com:vml" xmlns:pvml="urn:schemas-microsoft-com:office:powerpoint" xmlns:com="http://schemas.openxmlformats.org/drawingml/2006/compatibility" xmlns:p15="http://schemas.microsoft.com/office/powerpoint/2012/main">
+    <mc:Fallback xmlns:p15="http://schemas.microsoft.com/office/powerpoint/2012/main" xmlns:com="http://schemas.openxmlformats.org/drawingml/2006/compatibility" xmlns:pvml="urn:schemas-microsoft-com:office:powerpoint" xmlns:v="urn:schemas-microsoft-com:vml" xmlns:o="urn:schemas-microsoft-com:office:office" xmlns:dgm="http://schemas.openxmlformats.org/drawingml/2006/diagram" xmlns:c="http://schemas.openxmlformats.org/drawingml/2006/chart" xmlns:mv="urn:schemas-microsoft-com:mac:vml" xmlns="">
       <p:transition spd="slow">
         <p:fade/>
       </p:transition>
@@ -18286,7 +18286,7 @@
         <p:fade/>
       </p:transition>
     </mc:Choice>
-    <mc:Fallback xmlns="" xmlns:mv="urn:schemas-microsoft-com:mac:vml" xmlns:c="http://schemas.openxmlformats.org/drawingml/2006/chart" xmlns:dgm="http://schemas.openxmlformats.org/drawingml/2006/diagram" xmlns:o="urn:schemas-microsoft-com:office:office" xmlns:v="urn:schemas-microsoft-com:vml" xmlns:pvml="urn:schemas-microsoft-com:office:powerpoint" xmlns:com="http://schemas.openxmlformats.org/drawingml/2006/compatibility" xmlns:p15="http://schemas.microsoft.com/office/powerpoint/2012/main">
+    <mc:Fallback xmlns:p15="http://schemas.microsoft.com/office/powerpoint/2012/main" xmlns:com="http://schemas.openxmlformats.org/drawingml/2006/compatibility" xmlns:pvml="urn:schemas-microsoft-com:office:powerpoint" xmlns:v="urn:schemas-microsoft-com:vml" xmlns:o="urn:schemas-microsoft-com:office:office" xmlns:dgm="http://schemas.openxmlformats.org/drawingml/2006/diagram" xmlns:c="http://schemas.openxmlformats.org/drawingml/2006/chart" xmlns:mv="urn:schemas-microsoft-com:mac:vml" xmlns="">
       <p:transition spd="slow">
         <p:fade/>
       </p:transition>
@@ -19400,7 +19400,7 @@
         <p:fade/>
       </p:transition>
     </mc:Choice>
-    <mc:Fallback xmlns="" xmlns:mv="urn:schemas-microsoft-com:mac:vml" xmlns:c="http://schemas.openxmlformats.org/drawingml/2006/chart" xmlns:dgm="http://schemas.openxmlformats.org/drawingml/2006/diagram" xmlns:o="urn:schemas-microsoft-com:office:office" xmlns:v="urn:schemas-microsoft-com:vml" xmlns:pvml="urn:schemas-microsoft-com:office:powerpoint" xmlns:com="http://schemas.openxmlformats.org/drawingml/2006/compatibility" xmlns:p15="http://schemas.microsoft.com/office/powerpoint/2012/main">
+    <mc:Fallback xmlns:p15="http://schemas.microsoft.com/office/powerpoint/2012/main" xmlns:com="http://schemas.openxmlformats.org/drawingml/2006/compatibility" xmlns:pvml="urn:schemas-microsoft-com:office:powerpoint" xmlns:v="urn:schemas-microsoft-com:vml" xmlns:o="urn:schemas-microsoft-com:office:office" xmlns:dgm="http://schemas.openxmlformats.org/drawingml/2006/diagram" xmlns:c="http://schemas.openxmlformats.org/drawingml/2006/chart" xmlns:mv="urn:schemas-microsoft-com:mac:vml" xmlns="">
       <p:transition spd="slow">
         <p:fade/>
       </p:transition>
@@ -20638,7 +20638,7 @@
         <p:fade/>
       </p:transition>
     </mc:Choice>
-    <mc:Fallback xmlns="" xmlns:mv="urn:schemas-microsoft-com:mac:vml" xmlns:c="http://schemas.openxmlformats.org/drawingml/2006/chart" xmlns:dgm="http://schemas.openxmlformats.org/drawingml/2006/diagram" xmlns:o="urn:schemas-microsoft-com:office:office" xmlns:v="urn:schemas-microsoft-com:vml" xmlns:pvml="urn:schemas-microsoft-com:office:powerpoint" xmlns:com="http://schemas.openxmlformats.org/drawingml/2006/compatibility" xmlns:p15="http://schemas.microsoft.com/office/powerpoint/2012/main">
+    <mc:Fallback xmlns:p15="http://schemas.microsoft.com/office/powerpoint/2012/main" xmlns:com="http://schemas.openxmlformats.org/drawingml/2006/compatibility" xmlns:pvml="urn:schemas-microsoft-com:office:powerpoint" xmlns:v="urn:schemas-microsoft-com:vml" xmlns:o="urn:schemas-microsoft-com:office:office" xmlns:dgm="http://schemas.openxmlformats.org/drawingml/2006/diagram" xmlns:c="http://schemas.openxmlformats.org/drawingml/2006/chart" xmlns:mv="urn:schemas-microsoft-com:mac:vml" xmlns="">
       <p:transition spd="slow">
         <p:fade/>
       </p:transition>
@@ -22196,7 +22196,7 @@
         <p:fade/>
       </p:transition>
     </mc:Choice>
-    <mc:Fallback xmlns="" xmlns:mv="urn:schemas-microsoft-com:mac:vml" xmlns:c="http://schemas.openxmlformats.org/drawingml/2006/chart" xmlns:dgm="http://schemas.openxmlformats.org/drawingml/2006/diagram" xmlns:o="urn:schemas-microsoft-com:office:office" xmlns:v="urn:schemas-microsoft-com:vml" xmlns:pvml="urn:schemas-microsoft-com:office:powerpoint" xmlns:com="http://schemas.openxmlformats.org/drawingml/2006/compatibility" xmlns:p15="http://schemas.microsoft.com/office/powerpoint/2012/main">
+    <mc:Fallback xmlns:p15="http://schemas.microsoft.com/office/powerpoint/2012/main" xmlns:com="http://schemas.openxmlformats.org/drawingml/2006/compatibility" xmlns:pvml="urn:schemas-microsoft-com:office:powerpoint" xmlns:v="urn:schemas-microsoft-com:vml" xmlns:o="urn:schemas-microsoft-com:office:office" xmlns:dgm="http://schemas.openxmlformats.org/drawingml/2006/diagram" xmlns:c="http://schemas.openxmlformats.org/drawingml/2006/chart" xmlns:mv="urn:schemas-microsoft-com:mac:vml" xmlns="">
       <p:transition spd="slow">
         <p:fade/>
       </p:transition>
@@ -23114,7 +23114,7 @@
         <p:fade/>
       </p:transition>
     </mc:Choice>
-    <mc:Fallback xmlns="" xmlns:mv="urn:schemas-microsoft-com:mac:vml" xmlns:c="http://schemas.openxmlformats.org/drawingml/2006/chart" xmlns:dgm="http://schemas.openxmlformats.org/drawingml/2006/diagram" xmlns:o="urn:schemas-microsoft-com:office:office" xmlns:v="urn:schemas-microsoft-com:vml" xmlns:pvml="urn:schemas-microsoft-com:office:powerpoint" xmlns:com="http://schemas.openxmlformats.org/drawingml/2006/compatibility" xmlns:p15="http://schemas.microsoft.com/office/powerpoint/2012/main">
+    <mc:Fallback xmlns:p15="http://schemas.microsoft.com/office/powerpoint/2012/main" xmlns:com="http://schemas.openxmlformats.org/drawingml/2006/compatibility" xmlns:pvml="urn:schemas-microsoft-com:office:powerpoint" xmlns:v="urn:schemas-microsoft-com:vml" xmlns:o="urn:schemas-microsoft-com:office:office" xmlns:dgm="http://schemas.openxmlformats.org/drawingml/2006/diagram" xmlns:c="http://schemas.openxmlformats.org/drawingml/2006/chart" xmlns:mv="urn:schemas-microsoft-com:mac:vml" xmlns="">
       <p:transition spd="slow">
         <p:fade/>
       </p:transition>
@@ -23868,7 +23868,7 @@
         <p:fade/>
       </p:transition>
     </mc:Choice>
-    <mc:Fallback xmlns="" xmlns:mv="urn:schemas-microsoft-com:mac:vml" xmlns:c="http://schemas.openxmlformats.org/drawingml/2006/chart" xmlns:dgm="http://schemas.openxmlformats.org/drawingml/2006/diagram" xmlns:o="urn:schemas-microsoft-com:office:office" xmlns:v="urn:schemas-microsoft-com:vml" xmlns:pvml="urn:schemas-microsoft-com:office:powerpoint" xmlns:com="http://schemas.openxmlformats.org/drawingml/2006/compatibility" xmlns:p15="http://schemas.microsoft.com/office/powerpoint/2012/main">
+    <mc:Fallback xmlns:p15="http://schemas.microsoft.com/office/powerpoint/2012/main" xmlns:com="http://schemas.openxmlformats.org/drawingml/2006/compatibility" xmlns:pvml="urn:schemas-microsoft-com:office:powerpoint" xmlns:v="urn:schemas-microsoft-com:vml" xmlns:o="urn:schemas-microsoft-com:office:office" xmlns:dgm="http://schemas.openxmlformats.org/drawingml/2006/diagram" xmlns:c="http://schemas.openxmlformats.org/drawingml/2006/chart" xmlns:mv="urn:schemas-microsoft-com:mac:vml" xmlns="">
       <p:transition spd="slow">
         <p:fade/>
       </p:transition>
@@ -25106,7 +25106,7 @@
         <p:fade/>
       </p:transition>
     </mc:Choice>
-    <mc:Fallback xmlns="" xmlns:mv="urn:schemas-microsoft-com:mac:vml" xmlns:c="http://schemas.openxmlformats.org/drawingml/2006/chart" xmlns:dgm="http://schemas.openxmlformats.org/drawingml/2006/diagram" xmlns:o="urn:schemas-microsoft-com:office:office" xmlns:v="urn:schemas-microsoft-com:vml" xmlns:pvml="urn:schemas-microsoft-com:office:powerpoint" xmlns:com="http://schemas.openxmlformats.org/drawingml/2006/compatibility" xmlns:p15="http://schemas.microsoft.com/office/powerpoint/2012/main">
+    <mc:Fallback xmlns:p15="http://schemas.microsoft.com/office/powerpoint/2012/main" xmlns:com="http://schemas.openxmlformats.org/drawingml/2006/compatibility" xmlns:pvml="urn:schemas-microsoft-com:office:powerpoint" xmlns:v="urn:schemas-microsoft-com:vml" xmlns:o="urn:schemas-microsoft-com:office:office" xmlns:dgm="http://schemas.openxmlformats.org/drawingml/2006/diagram" xmlns:c="http://schemas.openxmlformats.org/drawingml/2006/chart" xmlns:mv="urn:schemas-microsoft-com:mac:vml" xmlns="">
       <p:transition spd="slow">
         <p:fade/>
       </p:transition>
@@ -26452,7 +26452,7 @@
         <p:fade/>
       </p:transition>
     </mc:Choice>
-    <mc:Fallback xmlns="" xmlns:mv="urn:schemas-microsoft-com:mac:vml" xmlns:c="http://schemas.openxmlformats.org/drawingml/2006/chart" xmlns:dgm="http://schemas.openxmlformats.org/drawingml/2006/diagram" xmlns:o="urn:schemas-microsoft-com:office:office" xmlns:v="urn:schemas-microsoft-com:vml" xmlns:pvml="urn:schemas-microsoft-com:office:powerpoint" xmlns:com="http://schemas.openxmlformats.org/drawingml/2006/compatibility" xmlns:p15="http://schemas.microsoft.com/office/powerpoint/2012/main">
+    <mc:Fallback xmlns:p15="http://schemas.microsoft.com/office/powerpoint/2012/main" xmlns:com="http://schemas.openxmlformats.org/drawingml/2006/compatibility" xmlns:pvml="urn:schemas-microsoft-com:office:powerpoint" xmlns:v="urn:schemas-microsoft-com:vml" xmlns:o="urn:schemas-microsoft-com:office:office" xmlns:dgm="http://schemas.openxmlformats.org/drawingml/2006/diagram" xmlns:c="http://schemas.openxmlformats.org/drawingml/2006/chart" xmlns:mv="urn:schemas-microsoft-com:mac:vml" xmlns="">
       <p:transition spd="slow">
         <p:fade/>
       </p:transition>
@@ -30518,7 +30518,7 @@
         <p:fade/>
       </p:transition>
     </mc:Choice>
-    <mc:Fallback xmlns="" xmlns:mv="urn:schemas-microsoft-com:mac:vml" xmlns:c="http://schemas.openxmlformats.org/drawingml/2006/chart" xmlns:dgm="http://schemas.openxmlformats.org/drawingml/2006/diagram" xmlns:o="urn:schemas-microsoft-com:office:office" xmlns:v="urn:schemas-microsoft-com:vml" xmlns:pvml="urn:schemas-microsoft-com:office:powerpoint" xmlns:com="http://schemas.openxmlformats.org/drawingml/2006/compatibility" xmlns:p15="http://schemas.microsoft.com/office/powerpoint/2012/main">
+    <mc:Fallback xmlns:p15="http://schemas.microsoft.com/office/powerpoint/2012/main" xmlns:com="http://schemas.openxmlformats.org/drawingml/2006/compatibility" xmlns:pvml="urn:schemas-microsoft-com:office:powerpoint" xmlns:v="urn:schemas-microsoft-com:vml" xmlns:o="urn:schemas-microsoft-com:office:office" xmlns:dgm="http://schemas.openxmlformats.org/drawingml/2006/diagram" xmlns:c="http://schemas.openxmlformats.org/drawingml/2006/chart" xmlns:mv="urn:schemas-microsoft-com:mac:vml" xmlns="">
       <p:transition spd="slow">
         <p:fade/>
       </p:transition>
@@ -31318,15 +31318,7 @@
             </a:pPr>
             <a:r>
               <a:rPr lang="en-US" dirty="0" smtClean="0"/>
-              <a:t>20 </a:t>
-            </a:r>
-            <a:r>
-              <a:rPr lang="en-US" dirty="0" smtClean="0"/>
-              <a:t>November </a:t>
-            </a:r>
-            <a:r>
-              <a:rPr lang="en-US" dirty="0" smtClean="0"/>
-              <a:t>2019 </a:t>
+              <a:t>20 November 2019 </a:t>
             </a:r>
             <a:r>
               <a:rPr lang="en-US" dirty="0"/>
@@ -32411,7 +32403,7 @@
         <p:fade/>
       </p:transition>
     </mc:Choice>
-    <mc:Fallback xmlns="" xmlns:mv="urn:schemas-microsoft-com:mac:vml" xmlns:c="http://schemas.openxmlformats.org/drawingml/2006/chart" xmlns:dgm="http://schemas.openxmlformats.org/drawingml/2006/diagram" xmlns:o="urn:schemas-microsoft-com:office:office" xmlns:v="urn:schemas-microsoft-com:vml" xmlns:pvml="urn:schemas-microsoft-com:office:powerpoint" xmlns:com="http://schemas.openxmlformats.org/drawingml/2006/compatibility" xmlns:p15="http://schemas.microsoft.com/office/powerpoint/2012/main">
+    <mc:Fallback xmlns:p15="http://schemas.microsoft.com/office/powerpoint/2012/main" xmlns:com="http://schemas.openxmlformats.org/drawingml/2006/compatibility" xmlns:pvml="urn:schemas-microsoft-com:office:powerpoint" xmlns:v="urn:schemas-microsoft-com:vml" xmlns:o="urn:schemas-microsoft-com:office:office" xmlns:dgm="http://schemas.openxmlformats.org/drawingml/2006/diagram" xmlns:c="http://schemas.openxmlformats.org/drawingml/2006/chart" xmlns:mv="urn:schemas-microsoft-com:mac:vml" xmlns="">
       <p:transition spd="slow">
         <p:fade/>
       </p:transition>
@@ -32496,11 +32488,7 @@
             </a:r>
             <a:r>
               <a:rPr lang="en-US" dirty="0" smtClean="0"/>
-              <a:t>. </a:t>
-            </a:r>
-            <a:r>
-              <a:rPr lang="en-US" dirty="0" smtClean="0"/>
-              <a:t>Results (4)</a:t>
+              <a:t>. Results (4)</a:t>
             </a:r>
             <a:r>
               <a:rPr lang="en-US" dirty="0"/>
@@ -32553,7 +32541,7 @@
         <p:fade/>
       </p:transition>
     </mc:Choice>
-    <mc:Fallback xmlns="" xmlns:mv="urn:schemas-microsoft-com:mac:vml" xmlns:c="http://schemas.openxmlformats.org/drawingml/2006/chart" xmlns:dgm="http://schemas.openxmlformats.org/drawingml/2006/diagram" xmlns:o="urn:schemas-microsoft-com:office:office" xmlns:v="urn:schemas-microsoft-com:vml" xmlns:pvml="urn:schemas-microsoft-com:office:powerpoint" xmlns:com="http://schemas.openxmlformats.org/drawingml/2006/compatibility" xmlns:p15="http://schemas.microsoft.com/office/powerpoint/2012/main">
+    <mc:Fallback xmlns:p15="http://schemas.microsoft.com/office/powerpoint/2012/main" xmlns:com="http://schemas.openxmlformats.org/drawingml/2006/compatibility" xmlns:pvml="urn:schemas-microsoft-com:office:powerpoint" xmlns:v="urn:schemas-microsoft-com:vml" xmlns:o="urn:schemas-microsoft-com:office:office" xmlns:dgm="http://schemas.openxmlformats.org/drawingml/2006/diagram" xmlns:c="http://schemas.openxmlformats.org/drawingml/2006/chart" xmlns:mv="urn:schemas-microsoft-com:mac:vml" xmlns="">
       <p:transition spd="slow">
         <p:fade/>
       </p:transition>
@@ -32638,11 +32626,7 @@
             </a:r>
             <a:r>
               <a:rPr lang="en-US" dirty="0" smtClean="0"/>
-              <a:t>. </a:t>
-            </a:r>
-            <a:r>
-              <a:rPr lang="en-US" dirty="0" smtClean="0"/>
-              <a:t>Results (5) </a:t>
+              <a:t>. Results (5) </a:t>
             </a:r>
             <a:r>
               <a:rPr lang="en-US" dirty="0"/>
@@ -32742,7 +32726,7 @@
         <p:fade/>
       </p:transition>
     </mc:Choice>
-    <mc:Fallback xmlns="" xmlns:mv="urn:schemas-microsoft-com:mac:vml" xmlns:c="http://schemas.openxmlformats.org/drawingml/2006/chart" xmlns:dgm="http://schemas.openxmlformats.org/drawingml/2006/diagram" xmlns:o="urn:schemas-microsoft-com:office:office" xmlns:v="urn:schemas-microsoft-com:vml" xmlns:pvml="urn:schemas-microsoft-com:office:powerpoint" xmlns:com="http://schemas.openxmlformats.org/drawingml/2006/compatibility" xmlns:p15="http://schemas.microsoft.com/office/powerpoint/2012/main">
+    <mc:Fallback xmlns:p15="http://schemas.microsoft.com/office/powerpoint/2012/main" xmlns:com="http://schemas.openxmlformats.org/drawingml/2006/compatibility" xmlns:pvml="urn:schemas-microsoft-com:office:powerpoint" xmlns:v="urn:schemas-microsoft-com:vml" xmlns:o="urn:schemas-microsoft-com:office:office" xmlns:dgm="http://schemas.openxmlformats.org/drawingml/2006/diagram" xmlns:c="http://schemas.openxmlformats.org/drawingml/2006/chart" xmlns:mv="urn:schemas-microsoft-com:mac:vml" xmlns="">
       <p:transition spd="slow">
         <p:fade/>
       </p:transition>
@@ -32827,11 +32811,7 @@
             </a:r>
             <a:r>
               <a:rPr lang="en-US" dirty="0" smtClean="0"/>
-              <a:t>. </a:t>
-            </a:r>
-            <a:r>
-              <a:rPr lang="en-US" dirty="0" smtClean="0"/>
-              <a:t>Results (6) </a:t>
+              <a:t>. Results (6) </a:t>
             </a:r>
             <a:r>
               <a:rPr lang="en-US" dirty="0"/>
@@ -32931,7 +32911,7 @@
         <p:fade/>
       </p:transition>
     </mc:Choice>
-    <mc:Fallback xmlns="" xmlns:mv="urn:schemas-microsoft-com:mac:vml" xmlns:c="http://schemas.openxmlformats.org/drawingml/2006/chart" xmlns:dgm="http://schemas.openxmlformats.org/drawingml/2006/diagram" xmlns:o="urn:schemas-microsoft-com:office:office" xmlns:v="urn:schemas-microsoft-com:vml" xmlns:pvml="urn:schemas-microsoft-com:office:powerpoint" xmlns:com="http://schemas.openxmlformats.org/drawingml/2006/compatibility" xmlns:p15="http://schemas.microsoft.com/office/powerpoint/2012/main">
+    <mc:Fallback xmlns:p15="http://schemas.microsoft.com/office/powerpoint/2012/main" xmlns:com="http://schemas.openxmlformats.org/drawingml/2006/compatibility" xmlns:pvml="urn:schemas-microsoft-com:office:powerpoint" xmlns:v="urn:schemas-microsoft-com:vml" xmlns:o="urn:schemas-microsoft-com:office:office" xmlns:dgm="http://schemas.openxmlformats.org/drawingml/2006/diagram" xmlns:c="http://schemas.openxmlformats.org/drawingml/2006/chart" xmlns:mv="urn:schemas-microsoft-com:mac:vml" xmlns="">
       <p:transition spd="slow">
         <p:fade/>
       </p:transition>
@@ -33002,11 +32982,7 @@
             </a:r>
             <a:r>
               <a:rPr lang="en-US" dirty="0" smtClean="0"/>
-              <a:t>. </a:t>
-            </a:r>
-            <a:r>
-              <a:rPr lang="en-US" dirty="0" smtClean="0"/>
-              <a:t>Results (7) - </a:t>
+              <a:t>. Results (7) - </a:t>
             </a:r>
             <a:r>
               <a:rPr lang="en-US" sz="2200" dirty="0"/>
@@ -33583,7 +33559,7 @@
         <p:fade/>
       </p:transition>
     </mc:Choice>
-    <mc:Fallback xmlns="" xmlns:mv="urn:schemas-microsoft-com:mac:vml" xmlns:c="http://schemas.openxmlformats.org/drawingml/2006/chart" xmlns:dgm="http://schemas.openxmlformats.org/drawingml/2006/diagram" xmlns:o="urn:schemas-microsoft-com:office:office" xmlns:v="urn:schemas-microsoft-com:vml" xmlns:pvml="urn:schemas-microsoft-com:office:powerpoint" xmlns:com="http://schemas.openxmlformats.org/drawingml/2006/compatibility" xmlns:p15="http://schemas.microsoft.com/office/powerpoint/2012/main">
+    <mc:Fallback xmlns:p15="http://schemas.microsoft.com/office/powerpoint/2012/main" xmlns:com="http://schemas.openxmlformats.org/drawingml/2006/compatibility" xmlns:pvml="urn:schemas-microsoft-com:office:powerpoint" xmlns:v="urn:schemas-microsoft-com:vml" xmlns:o="urn:schemas-microsoft-com:office:office" xmlns:dgm="http://schemas.openxmlformats.org/drawingml/2006/diagram" xmlns:c="http://schemas.openxmlformats.org/drawingml/2006/chart" xmlns:mv="urn:schemas-microsoft-com:mac:vml" xmlns="">
       <p:transition spd="slow">
         <p:fade/>
       </p:transition>
@@ -34103,7 +34079,7 @@
         <p:fade/>
       </p:transition>
     </mc:Choice>
-    <mc:Fallback xmlns="" xmlns:mv="urn:schemas-microsoft-com:mac:vml" xmlns:c="http://schemas.openxmlformats.org/drawingml/2006/chart" xmlns:dgm="http://schemas.openxmlformats.org/drawingml/2006/diagram" xmlns:o="urn:schemas-microsoft-com:office:office" xmlns:v="urn:schemas-microsoft-com:vml" xmlns:pvml="urn:schemas-microsoft-com:office:powerpoint" xmlns:com="http://schemas.openxmlformats.org/drawingml/2006/compatibility" xmlns:p15="http://schemas.microsoft.com/office/powerpoint/2012/main">
+    <mc:Fallback xmlns:p15="http://schemas.microsoft.com/office/powerpoint/2012/main" xmlns:com="http://schemas.openxmlformats.org/drawingml/2006/compatibility" xmlns:pvml="urn:schemas-microsoft-com:office:powerpoint" xmlns:v="urn:schemas-microsoft-com:vml" xmlns:o="urn:schemas-microsoft-com:office:office" xmlns:dgm="http://schemas.openxmlformats.org/drawingml/2006/diagram" xmlns:c="http://schemas.openxmlformats.org/drawingml/2006/chart" xmlns:mv="urn:schemas-microsoft-com:mac:vml" xmlns="">
       <p:transition spd="slow">
         <p:fade/>
       </p:transition>
@@ -35459,7 +35435,7 @@
         <p:fade/>
       </p:transition>
     </mc:Choice>
-    <mc:Fallback xmlns="" xmlns:mv="urn:schemas-microsoft-com:mac:vml" xmlns:c="http://schemas.openxmlformats.org/drawingml/2006/chart" xmlns:dgm="http://schemas.openxmlformats.org/drawingml/2006/diagram" xmlns:o="urn:schemas-microsoft-com:office:office" xmlns:v="urn:schemas-microsoft-com:vml" xmlns:pvml="urn:schemas-microsoft-com:office:powerpoint" xmlns:com="http://schemas.openxmlformats.org/drawingml/2006/compatibility" xmlns:p15="http://schemas.microsoft.com/office/powerpoint/2012/main">
+    <mc:Fallback xmlns:p15="http://schemas.microsoft.com/office/powerpoint/2012/main" xmlns:com="http://schemas.openxmlformats.org/drawingml/2006/compatibility" xmlns:pvml="urn:schemas-microsoft-com:office:powerpoint" xmlns:v="urn:schemas-microsoft-com:vml" xmlns:o="urn:schemas-microsoft-com:office:office" xmlns:dgm="http://schemas.openxmlformats.org/drawingml/2006/diagram" xmlns:c="http://schemas.openxmlformats.org/drawingml/2006/chart" xmlns:mv="urn:schemas-microsoft-com:mac:vml" xmlns="">
       <p:transition spd="slow">
         <p:fade/>
       </p:transition>
@@ -35593,7 +35569,7 @@
         <p:fade/>
       </p:transition>
     </mc:Choice>
-    <mc:Fallback xmlns="" xmlns:mv="urn:schemas-microsoft-com:mac:vml" xmlns:c="http://schemas.openxmlformats.org/drawingml/2006/chart" xmlns:dgm="http://schemas.openxmlformats.org/drawingml/2006/diagram" xmlns:o="urn:schemas-microsoft-com:office:office" xmlns:v="urn:schemas-microsoft-com:vml" xmlns:pvml="urn:schemas-microsoft-com:office:powerpoint" xmlns:com="http://schemas.openxmlformats.org/drawingml/2006/compatibility" xmlns:p15="http://schemas.microsoft.com/office/powerpoint/2012/main">
+    <mc:Fallback xmlns:p15="http://schemas.microsoft.com/office/powerpoint/2012/main" xmlns:com="http://schemas.openxmlformats.org/drawingml/2006/compatibility" xmlns:pvml="urn:schemas-microsoft-com:office:powerpoint" xmlns:v="urn:schemas-microsoft-com:vml" xmlns:o="urn:schemas-microsoft-com:office:office" xmlns:dgm="http://schemas.openxmlformats.org/drawingml/2006/diagram" xmlns:c="http://schemas.openxmlformats.org/drawingml/2006/chart" xmlns:mv="urn:schemas-microsoft-com:mac:vml" xmlns="">
       <p:transition spd="slow">
         <p:fade/>
       </p:transition>
@@ -36273,7 +36249,7 @@
         <p:fade/>
       </p:transition>
     </mc:Choice>
-    <mc:Fallback xmlns="" xmlns:mv="urn:schemas-microsoft-com:mac:vml" xmlns:c="http://schemas.openxmlformats.org/drawingml/2006/chart" xmlns:dgm="http://schemas.openxmlformats.org/drawingml/2006/diagram" xmlns:o="urn:schemas-microsoft-com:office:office" xmlns:v="urn:schemas-microsoft-com:vml" xmlns:pvml="urn:schemas-microsoft-com:office:powerpoint" xmlns:com="http://schemas.openxmlformats.org/drawingml/2006/compatibility" xmlns:p15="http://schemas.microsoft.com/office/powerpoint/2012/main">
+    <mc:Fallback xmlns:p15="http://schemas.microsoft.com/office/powerpoint/2012/main" xmlns:com="http://schemas.openxmlformats.org/drawingml/2006/compatibility" xmlns:pvml="urn:schemas-microsoft-com:office:powerpoint" xmlns:v="urn:schemas-microsoft-com:vml" xmlns:o="urn:schemas-microsoft-com:office:office" xmlns:dgm="http://schemas.openxmlformats.org/drawingml/2006/diagram" xmlns:c="http://schemas.openxmlformats.org/drawingml/2006/chart" xmlns:mv="urn:schemas-microsoft-com:mac:vml" xmlns="">
       <p:transition spd="slow">
         <p:fade/>
       </p:transition>
@@ -36564,7 +36540,7 @@
         <p:fade/>
       </p:transition>
     </mc:Choice>
-    <mc:Fallback xmlns="" xmlns:mv="urn:schemas-microsoft-com:mac:vml" xmlns:c="http://schemas.openxmlformats.org/drawingml/2006/chart" xmlns:dgm="http://schemas.openxmlformats.org/drawingml/2006/diagram" xmlns:o="urn:schemas-microsoft-com:office:office" xmlns:v="urn:schemas-microsoft-com:vml" xmlns:pvml="urn:schemas-microsoft-com:office:powerpoint" xmlns:com="http://schemas.openxmlformats.org/drawingml/2006/compatibility" xmlns:p15="http://schemas.microsoft.com/office/powerpoint/2012/main">
+    <mc:Fallback xmlns:p15="http://schemas.microsoft.com/office/powerpoint/2012/main" xmlns:com="http://schemas.openxmlformats.org/drawingml/2006/compatibility" xmlns:pvml="urn:schemas-microsoft-com:office:powerpoint" xmlns:v="urn:schemas-microsoft-com:vml" xmlns:o="urn:schemas-microsoft-com:office:office" xmlns:dgm="http://schemas.openxmlformats.org/drawingml/2006/diagram" xmlns:c="http://schemas.openxmlformats.org/drawingml/2006/chart" xmlns:mv="urn:schemas-microsoft-com:mac:vml" xmlns="">
       <p:transition spd="slow">
         <p:fade/>
       </p:transition>
@@ -36667,8 +36643,8 @@
         </p:nvSpPr>
         <p:spPr>
           <a:xfrm>
-            <a:off x="1654618" y="1525843"/>
-            <a:ext cx="7271668" cy="4765367"/>
+            <a:off x="1762194" y="1356888"/>
+            <a:ext cx="7271668" cy="4580701"/>
           </a:xfrm>
           <a:prstGeom prst="rect">
             <a:avLst/>
@@ -36684,9 +36660,8 @@
           </a:bodyPr>
           <a:lstStyle/>
           <a:p>
-            <a:pPr>
-              <a:buFont typeface="Wingdings" panose="05000000000000000000" pitchFamily="2" charset="2"/>
-              <a:buChar char="§"/>
+            <a:pPr marL="114300" indent="0">
+              <a:buNone/>
             </a:pPr>
             <a:r>
               <a:rPr lang="en-US" dirty="0">
@@ -36694,8 +36669,21 @@
                   <a:schemeClr val="bg1"/>
                 </a:solidFill>
               </a:rPr>
-              <a:t>Computer Network Traffic Data with</a:t>
+              <a:t>Computer Network Traffic Data </a:t>
             </a:r>
+            <a:r>
+              <a:rPr lang="en-US" dirty="0" smtClean="0">
+                <a:solidFill>
+                  <a:schemeClr val="bg1"/>
+                </a:solidFill>
+              </a:rPr>
+              <a:t>with:</a:t>
+            </a:r>
+            <a:endParaRPr lang="en-US" dirty="0">
+              <a:solidFill>
+                <a:schemeClr val="bg1"/>
+              </a:solidFill>
+            </a:endParaRPr>
           </a:p>
           <a:p>
             <a:pPr lvl="0">
@@ -36714,17 +36702,15 @@
             </a:pPr>
             <a:r>
               <a:rPr lang="en-US" dirty="0"/>
-              <a:t>10 local workstation IPs </a:t>
+              <a:t>10 local workstation </a:t>
             </a:r>
-          </a:p>
-          <a:p>
-            <a:pPr lvl="0">
-              <a:buFont typeface="Wingdings" panose="05000000000000000000" pitchFamily="2" charset="2"/>
-              <a:buChar char="§"/>
-            </a:pPr>
+            <a:r>
+              <a:rPr lang="en-US" dirty="0" smtClean="0"/>
+              <a:t>IPs over </a:t>
+            </a:r>
             <a:r>
               <a:rPr lang="en-US" dirty="0"/>
-              <a:t>Over a three month period. </a:t>
+              <a:t>a three month period. </a:t>
             </a:r>
           </a:p>
           <a:p>
@@ -36796,6 +36782,11 @@
               <a:rPr lang="en-US" i="1" dirty="0"/>
               <a:t>: 	local IP </a:t>
             </a:r>
+            <a:r>
+              <a:rPr lang="en-US" i="1" dirty="0" smtClean="0"/>
+              <a:t>(0-9)</a:t>
+            </a:r>
+            <a:endParaRPr lang="en-US" i="1" dirty="0"/>
           </a:p>
           <a:p>
             <a:pPr lvl="2">
@@ -36808,7 +36799,11 @@
             </a:r>
             <a:r>
               <a:rPr lang="en-US" i="1" dirty="0"/>
-              <a:t>: 	remote ASN </a:t>
+              <a:t>: 	remote </a:t>
+            </a:r>
+            <a:r>
+              <a:rPr lang="en-US" i="1" dirty="0" smtClean="0"/>
+              <a:t>ASN (2005)</a:t>
             </a:r>
           </a:p>
           <a:p>
@@ -36817,17 +36812,23 @@
               <a:buChar char="§"/>
             </a:pPr>
             <a:r>
-              <a:rPr lang="en-US" i="1" dirty="0"/>
-              <a:t>f: 	</a:t>
+              <a:rPr lang="en-US" i="1" dirty="0" smtClean="0"/>
+              <a:t>f: 		flows – i.e., count of connections by day</a:t>
+            </a:r>
+          </a:p>
+          <a:p>
+            <a:pPr marL="2400300" lvl="5" indent="0">
+              <a:buNone/>
+            </a:pPr>
+            <a:r>
+              <a:rPr lang="en-US" sz="1400" i="1" dirty="0"/>
+              <a:t>	 (range: </a:t>
             </a:r>
             <a:r>
-              <a:rPr lang="en-US" i="1" dirty="0" smtClean="0"/>
-              <a:t>	flows </a:t>
+              <a:rPr lang="en-US" sz="1400" i="1" dirty="0" smtClean="0"/>
+              <a:t>1- 784,234)</a:t>
             </a:r>
-            <a:r>
-              <a:rPr lang="en-US" i="1" dirty="0"/>
-              <a:t>– i.e., count of connections by day</a:t>
-            </a:r>
+            <a:endParaRPr lang="en-US" sz="1400" i="1" dirty="0" smtClean="0"/>
           </a:p>
           <a:p>
             <a:pPr marL="457200" marR="0" lvl="0" indent="0" algn="l" rtl="0">
@@ -36870,7 +36871,7 @@
         <p:fade/>
       </p:transition>
     </mc:Choice>
-    <mc:Fallback xmlns="" xmlns:mv="urn:schemas-microsoft-com:mac:vml" xmlns:c="http://schemas.openxmlformats.org/drawingml/2006/chart" xmlns:dgm="http://schemas.openxmlformats.org/drawingml/2006/diagram" xmlns:o="urn:schemas-microsoft-com:office:office" xmlns:v="urn:schemas-microsoft-com:vml" xmlns:pvml="urn:schemas-microsoft-com:office:powerpoint" xmlns:com="http://schemas.openxmlformats.org/drawingml/2006/compatibility" xmlns:p15="http://schemas.microsoft.com/office/powerpoint/2012/main">
+    <mc:Fallback xmlns:p15="http://schemas.microsoft.com/office/powerpoint/2012/main" xmlns:com="http://schemas.openxmlformats.org/drawingml/2006/compatibility" xmlns:pvml="urn:schemas-microsoft-com:office:powerpoint" xmlns:v="urn:schemas-microsoft-com:vml" xmlns:o="urn:schemas-microsoft-com:office:office" xmlns:dgm="http://schemas.openxmlformats.org/drawingml/2006/diagram" xmlns:c="http://schemas.openxmlformats.org/drawingml/2006/chart" xmlns:mv="urn:schemas-microsoft-com:mac:vml" xmlns="">
       <p:transition spd="slow">
         <p:fade/>
       </p:transition>
@@ -38151,7 +38152,7 @@
         <p:fade/>
       </p:transition>
     </mc:Choice>
-    <mc:Fallback xmlns="" xmlns:mv="urn:schemas-microsoft-com:mac:vml" xmlns:c="http://schemas.openxmlformats.org/drawingml/2006/chart" xmlns:dgm="http://schemas.openxmlformats.org/drawingml/2006/diagram" xmlns:o="urn:schemas-microsoft-com:office:office" xmlns:v="urn:schemas-microsoft-com:vml" xmlns:pvml="urn:schemas-microsoft-com:office:powerpoint" xmlns:com="http://schemas.openxmlformats.org/drawingml/2006/compatibility" xmlns:p15="http://schemas.microsoft.com/office/powerpoint/2012/main">
+    <mc:Fallback xmlns:p15="http://schemas.microsoft.com/office/powerpoint/2012/main" xmlns:com="http://schemas.openxmlformats.org/drawingml/2006/compatibility" xmlns:pvml="urn:schemas-microsoft-com:office:powerpoint" xmlns:v="urn:schemas-microsoft-com:vml" xmlns:o="urn:schemas-microsoft-com:office:office" xmlns:dgm="http://schemas.openxmlformats.org/drawingml/2006/diagram" xmlns:c="http://schemas.openxmlformats.org/drawingml/2006/chart" xmlns:mv="urn:schemas-microsoft-com:mac:vml" xmlns="">
       <p:transition spd="slow">
         <p:fade/>
       </p:transition>
@@ -38422,7 +38423,7 @@
         <p:fade/>
       </p:transition>
     </mc:Choice>
-    <mc:Fallback xmlns="" xmlns:mv="urn:schemas-microsoft-com:mac:vml" xmlns:c="http://schemas.openxmlformats.org/drawingml/2006/chart" xmlns:dgm="http://schemas.openxmlformats.org/drawingml/2006/diagram" xmlns:o="urn:schemas-microsoft-com:office:office" xmlns:v="urn:schemas-microsoft-com:vml" xmlns:pvml="urn:schemas-microsoft-com:office:powerpoint" xmlns:com="http://schemas.openxmlformats.org/drawingml/2006/compatibility" xmlns:p15="http://schemas.microsoft.com/office/powerpoint/2012/main">
+    <mc:Fallback xmlns:p15="http://schemas.microsoft.com/office/powerpoint/2012/main" xmlns:com="http://schemas.openxmlformats.org/drawingml/2006/compatibility" xmlns:pvml="urn:schemas-microsoft-com:office:powerpoint" xmlns:v="urn:schemas-microsoft-com:vml" xmlns:o="urn:schemas-microsoft-com:office:office" xmlns:dgm="http://schemas.openxmlformats.org/drawingml/2006/diagram" xmlns:c="http://schemas.openxmlformats.org/drawingml/2006/chart" xmlns:mv="urn:schemas-microsoft-com:mac:vml" xmlns="">
       <p:transition spd="slow">
         <p:fade/>
       </p:transition>
@@ -38507,11 +38508,7 @@
             </a:r>
             <a:r>
               <a:rPr lang="en-US" dirty="0" smtClean="0"/>
-              <a:t>. </a:t>
-            </a:r>
-            <a:r>
-              <a:rPr lang="en-US" dirty="0" smtClean="0"/>
-              <a:t>Results (1)</a:t>
+              <a:t>. Results (1)</a:t>
             </a:r>
             <a:r>
               <a:rPr lang="en-US" dirty="0"/>
@@ -38634,7 +38631,7 @@
         <p:fade/>
       </p:transition>
     </mc:Choice>
-    <mc:Fallback xmlns="" xmlns:mv="urn:schemas-microsoft-com:mac:vml" xmlns:c="http://schemas.openxmlformats.org/drawingml/2006/chart" xmlns:dgm="http://schemas.openxmlformats.org/drawingml/2006/diagram" xmlns:o="urn:schemas-microsoft-com:office:office" xmlns:v="urn:schemas-microsoft-com:vml" xmlns:pvml="urn:schemas-microsoft-com:office:powerpoint" xmlns:com="http://schemas.openxmlformats.org/drawingml/2006/compatibility" xmlns:p15="http://schemas.microsoft.com/office/powerpoint/2012/main">
+    <mc:Fallback xmlns:p15="http://schemas.microsoft.com/office/powerpoint/2012/main" xmlns:com="http://schemas.openxmlformats.org/drawingml/2006/compatibility" xmlns:pvml="urn:schemas-microsoft-com:office:powerpoint" xmlns:v="urn:schemas-microsoft-com:vml" xmlns:o="urn:schemas-microsoft-com:office:office" xmlns:dgm="http://schemas.openxmlformats.org/drawingml/2006/diagram" xmlns:c="http://schemas.openxmlformats.org/drawingml/2006/chart" xmlns:mv="urn:schemas-microsoft-com:mac:vml" xmlns="">
       <p:transition spd="slow">
         <p:fade/>
       </p:transition>
@@ -38719,11 +38716,7 @@
             </a:r>
             <a:r>
               <a:rPr lang="en-US" dirty="0" smtClean="0"/>
-              <a:t>. </a:t>
-            </a:r>
-            <a:r>
-              <a:rPr lang="en-US" dirty="0" smtClean="0"/>
-              <a:t>Results (2) </a:t>
+              <a:t>. Results (2) </a:t>
             </a:r>
             <a:r>
               <a:rPr lang="en-US" dirty="0"/>
@@ -38823,7 +38816,7 @@
         <p:fade/>
       </p:transition>
     </mc:Choice>
-    <mc:Fallback xmlns="" xmlns:mv="urn:schemas-microsoft-com:mac:vml" xmlns:c="http://schemas.openxmlformats.org/drawingml/2006/chart" xmlns:dgm="http://schemas.openxmlformats.org/drawingml/2006/diagram" xmlns:o="urn:schemas-microsoft-com:office:office" xmlns:v="urn:schemas-microsoft-com:vml" xmlns:pvml="urn:schemas-microsoft-com:office:powerpoint" xmlns:com="http://schemas.openxmlformats.org/drawingml/2006/compatibility" xmlns:p15="http://schemas.microsoft.com/office/powerpoint/2012/main">
+    <mc:Fallback xmlns:p15="http://schemas.microsoft.com/office/powerpoint/2012/main" xmlns:com="http://schemas.openxmlformats.org/drawingml/2006/compatibility" xmlns:pvml="urn:schemas-microsoft-com:office:powerpoint" xmlns:v="urn:schemas-microsoft-com:vml" xmlns:o="urn:schemas-microsoft-com:office:office" xmlns:dgm="http://schemas.openxmlformats.org/drawingml/2006/diagram" xmlns:c="http://schemas.openxmlformats.org/drawingml/2006/chart" xmlns:mv="urn:schemas-microsoft-com:mac:vml" xmlns="">
       <p:transition spd="slow">
         <p:fade/>
       </p:transition>
@@ -38908,11 +38901,7 @@
             </a:r>
             <a:r>
               <a:rPr lang="en-US" dirty="0" smtClean="0"/>
-              <a:t>. </a:t>
-            </a:r>
-            <a:r>
-              <a:rPr lang="en-US" dirty="0" smtClean="0"/>
-              <a:t>Results (3) </a:t>
+              <a:t>. Results (3) </a:t>
             </a:r>
             <a:r>
               <a:rPr lang="en-US" dirty="0"/>
@@ -39012,7 +39001,7 @@
         <p:fade/>
       </p:transition>
     </mc:Choice>
-    <mc:Fallback xmlns="" xmlns:mv="urn:schemas-microsoft-com:mac:vml" xmlns:c="http://schemas.openxmlformats.org/drawingml/2006/chart" xmlns:dgm="http://schemas.openxmlformats.org/drawingml/2006/diagram" xmlns:o="urn:schemas-microsoft-com:office:office" xmlns:v="urn:schemas-microsoft-com:vml" xmlns:pvml="urn:schemas-microsoft-com:office:powerpoint" xmlns:com="http://schemas.openxmlformats.org/drawingml/2006/compatibility" xmlns:p15="http://schemas.microsoft.com/office/powerpoint/2012/main">
+    <mc:Fallback xmlns:p15="http://schemas.microsoft.com/office/powerpoint/2012/main" xmlns:com="http://schemas.openxmlformats.org/drawingml/2006/compatibility" xmlns:pvml="urn:schemas-microsoft-com:office:powerpoint" xmlns:v="urn:schemas-microsoft-com:vml" xmlns:o="urn:schemas-microsoft-com:office:office" xmlns:dgm="http://schemas.openxmlformats.org/drawingml/2006/diagram" xmlns:c="http://schemas.openxmlformats.org/drawingml/2006/chart" xmlns:mv="urn:schemas-microsoft-com:mac:vml" xmlns="">
       <p:transition spd="slow">
         <p:fade/>
       </p:transition>
